--- a/5강-강의준비20151215(One way ANOVA).pptx
+++ b/5강-강의준비20151215(One way ANOVA).pptx
@@ -31271,7 +31271,7 @@
             <a:fld id="{EC13577B-6902-467D-A26C-08A0DD5E4E03}" type="datetimeFigureOut">
               <a:rPr lang="en-US" altLang="ko-KR" smtClean="0"/>
               <a:pPr/>
-              <a:t>12/16/2015</a:t>
+              <a:t>12/21/2015</a:t>
             </a:fld>
             <a:endParaRPr lang="ko-KR" altLang="en-US" dirty="0"/>
           </a:p>
@@ -31715,7 +31715,7 @@
           <a:p>
             <a:fld id="{8BEEBAAA-29B5-4AF5-BC5F-7E580C29002D}" type="datetimeFigureOut">
               <a:rPr lang="en-US" smtClean="0"/>
-              <a:t>12/16/2015</a:t>
+              <a:t>12/21/2015</a:t>
             </a:fld>
             <a:endParaRPr lang="en-US"/>
           </a:p>
@@ -31773,13 +31773,6 @@
   <p:clrMapOvr>
     <a:masterClrMapping/>
   </p:clrMapOvr>
-  <p:timing>
-    <p:tnLst>
-      <p:par>
-        <p:cTn id="1" dur="indefinite" restart="never" nodeType="tmRoot"/>
-      </p:par>
-    </p:tnLst>
-  </p:timing>
 </p:sldLayout>
 </file>
 
@@ -32158,13 +32151,6 @@
   <p:clrMapOvr>
     <a:masterClrMapping/>
   </p:clrMapOvr>
-  <p:timing>
-    <p:tnLst>
-      <p:par>
-        <p:cTn id="1" dur="indefinite" restart="never" nodeType="tmRoot"/>
-      </p:par>
-    </p:tnLst>
-  </p:timing>
 </p:sldLayout>
 </file>
 
@@ -32482,13 +32468,6 @@
   <p:clrMapOvr>
     <a:masterClrMapping/>
   </p:clrMapOvr>
-  <p:timing>
-    <p:tnLst>
-      <p:par>
-        <p:cTn id="1" dur="indefinite" restart="never" nodeType="tmRoot"/>
-      </p:par>
-    </p:tnLst>
-  </p:timing>
 </p:sldLayout>
 </file>
 
@@ -32526,7 +32505,7 @@
           <a:p>
             <a:fld id="{8BEEBAAA-29B5-4AF5-BC5F-7E580C29002D}" type="datetimeFigureOut">
               <a:rPr lang="en-US" smtClean="0"/>
-              <a:t>12/16/2015</a:t>
+              <a:t>12/21/2015</a:t>
             </a:fld>
             <a:endParaRPr lang="en-US"/>
           </a:p>
@@ -32918,13 +32897,6 @@
   <p:clrMapOvr>
     <a:masterClrMapping/>
   </p:clrMapOvr>
-  <p:timing>
-    <p:tnLst>
-      <p:par>
-        <p:cTn id="1" dur="indefinite" restart="never" nodeType="tmRoot"/>
-      </p:par>
-    </p:tnLst>
-  </p:timing>
 </p:sldLayout>
 </file>
 
@@ -33083,7 +33055,7 @@
             <a:fld id="{8BEEBAAA-29B5-4AF5-BC5F-7E580C29002D}" type="datetimeFigureOut">
               <a:rPr lang="en-US" altLang="ko-KR" smtClean="0"/>
               <a:pPr/>
-              <a:t>12/16/2015</a:t>
+              <a:t>12/21/2015</a:t>
             </a:fld>
             <a:endParaRPr lang="ko-KR" altLang="en-US" dirty="0"/>
           </a:p>
@@ -33186,13 +33158,6 @@
     <p:sldLayoutId id="2147483664" r:id="rId3"/>
     <p:sldLayoutId id="2147483663" r:id="rId4"/>
   </p:sldLayoutIdLst>
-  <p:timing>
-    <p:tnLst>
-      <p:par>
-        <p:cTn id="1" dur="indefinite" restart="never" nodeType="tmRoot"/>
-      </p:par>
-    </p:tnLst>
-  </p:timing>
   <p:txStyles>
     <p:titleStyle>
       <a:lvl1pPr algn="l" defTabSz="914400" rtl="0" eaLnBrk="1" latinLnBrk="1" hangingPunct="1">
@@ -33711,13 +33676,6 @@
   <p:clrMapOvr>
     <a:masterClrMapping/>
   </p:clrMapOvr>
-  <p:timing>
-    <p:tnLst>
-      <p:par>
-        <p:cTn id="1" dur="indefinite" restart="never" nodeType="tmRoot"/>
-      </p:par>
-    </p:tnLst>
-  </p:timing>
 </p:sld>
 </file>
 
@@ -33843,13 +33801,6 @@
   <p:clrMapOvr>
     <a:masterClrMapping/>
   </p:clrMapOvr>
-  <p:timing>
-    <p:tnLst>
-      <p:par>
-        <p:cTn id="1" dur="indefinite" restart="never" nodeType="tmRoot"/>
-      </p:par>
-    </p:tnLst>
-  </p:timing>
 </p:sld>
 </file>
 
@@ -34563,13 +34514,6 @@
   <p:clrMapOvr>
     <a:masterClrMapping/>
   </p:clrMapOvr>
-  <p:timing>
-    <p:tnLst>
-      <p:par>
-        <p:cTn id="1" dur="indefinite" restart="never" nodeType="tmRoot"/>
-      </p:par>
-    </p:tnLst>
-  </p:timing>
 </p:sld>
 </file>
 
@@ -34846,13 +34790,6 @@
   <p:clrMapOvr>
     <a:masterClrMapping/>
   </p:clrMapOvr>
-  <p:timing>
-    <p:tnLst>
-      <p:par>
-        <p:cTn id="1" dur="indefinite" restart="never" nodeType="tmRoot"/>
-      </p:par>
-    </p:tnLst>
-  </p:timing>
 </p:sld>
 </file>
 
@@ -35127,13 +35064,6 @@
   <p:clrMapOvr>
     <a:masterClrMapping/>
   </p:clrMapOvr>
-  <p:timing>
-    <p:tnLst>
-      <p:par>
-        <p:cTn id="1" dur="indefinite" restart="never" nodeType="tmRoot"/>
-      </p:par>
-    </p:tnLst>
-  </p:timing>
 </p:sld>
 </file>
 
@@ -35259,13 +35189,6 @@
   <p:clrMapOvr>
     <a:masterClrMapping/>
   </p:clrMapOvr>
-  <p:timing>
-    <p:tnLst>
-      <p:par>
-        <p:cTn id="1" dur="indefinite" restart="never" nodeType="tmRoot"/>
-      </p:par>
-    </p:tnLst>
-  </p:timing>
 </p:sld>
 </file>
 
@@ -35517,13 +35440,6 @@
   <p:clrMapOvr>
     <a:masterClrMapping/>
   </p:clrMapOvr>
-  <p:timing>
-    <p:tnLst>
-      <p:par>
-        <p:cTn id="1" dur="indefinite" restart="never" nodeType="tmRoot"/>
-      </p:par>
-    </p:tnLst>
-  </p:timing>
 </p:sld>
 </file>
 
@@ -35849,13 +35765,6 @@
   <p:clrMapOvr>
     <a:masterClrMapping/>
   </p:clrMapOvr>
-  <p:timing>
-    <p:tnLst>
-      <p:par>
-        <p:cTn id="1" dur="indefinite" restart="never" nodeType="tmRoot"/>
-      </p:par>
-    </p:tnLst>
-  </p:timing>
 </p:sld>
 </file>
 
@@ -35973,13 +35882,6 @@
   <p:clrMapOvr>
     <a:masterClrMapping/>
   </p:clrMapOvr>
-  <p:timing>
-    <p:tnLst>
-      <p:par>
-        <p:cTn id="1" dur="indefinite" restart="never" nodeType="tmRoot"/>
-      </p:par>
-    </p:tnLst>
-  </p:timing>
 </p:sld>
 </file>
 
@@ -36105,13 +36007,6 @@
   <p:clrMapOvr>
     <a:masterClrMapping/>
   </p:clrMapOvr>
-  <p:timing>
-    <p:tnLst>
-      <p:par>
-        <p:cTn id="1" dur="indefinite" restart="never" nodeType="tmRoot"/>
-      </p:par>
-    </p:tnLst>
-  </p:timing>
 </p:sld>
 </file>
 
@@ -36461,13 +36356,6 @@
   <p:clrMapOvr>
     <a:masterClrMapping/>
   </p:clrMapOvr>
-  <p:timing>
-    <p:tnLst>
-      <p:par>
-        <p:cTn id="1" dur="indefinite" restart="never" nodeType="tmRoot"/>
-      </p:par>
-    </p:tnLst>
-  </p:timing>
 </p:sld>
 </file>
 
@@ -36593,13 +36481,6 @@
   <p:clrMapOvr>
     <a:masterClrMapping/>
   </p:clrMapOvr>
-  <p:timing>
-    <p:tnLst>
-      <p:par>
-        <p:cTn id="1" dur="indefinite" restart="never" nodeType="tmRoot"/>
-      </p:par>
-    </p:tnLst>
-  </p:timing>
 </p:sld>
 </file>
 
@@ -36927,13 +36808,6 @@
   <p:clrMapOvr>
     <a:masterClrMapping/>
   </p:clrMapOvr>
-  <p:timing>
-    <p:tnLst>
-      <p:par>
-        <p:cTn id="1" dur="indefinite" restart="never" nodeType="tmRoot"/>
-      </p:par>
-    </p:tnLst>
-  </p:timing>
 </p:sld>
 </file>
 
@@ -37259,13 +37133,6 @@
   <p:clrMapOvr>
     <a:masterClrMapping/>
   </p:clrMapOvr>
-  <p:timing>
-    <p:tnLst>
-      <p:par>
-        <p:cTn id="1" dur="indefinite" restart="never" nodeType="tmRoot"/>
-      </p:par>
-    </p:tnLst>
-  </p:timing>
 </p:sld>
 </file>
 
@@ -37645,13 +37512,6 @@
   <p:clrMapOvr>
     <a:masterClrMapping/>
   </p:clrMapOvr>
-  <p:timing>
-    <p:tnLst>
-      <p:par>
-        <p:cTn id="1" dur="indefinite" restart="never" nodeType="tmRoot"/>
-      </p:par>
-    </p:tnLst>
-  </p:timing>
 </p:sld>
 </file>
 
@@ -37777,13 +37637,6 @@
   <p:clrMapOvr>
     <a:masterClrMapping/>
   </p:clrMapOvr>
-  <p:timing>
-    <p:tnLst>
-      <p:par>
-        <p:cTn id="1" dur="indefinite" restart="never" nodeType="tmRoot"/>
-      </p:par>
-    </p:tnLst>
-  </p:timing>
 </p:sld>
 </file>
 
@@ -38175,13 +38028,6 @@
   <p:clrMapOvr>
     <a:masterClrMapping/>
   </p:clrMapOvr>
-  <p:timing>
-    <p:tnLst>
-      <p:par>
-        <p:cTn id="1" dur="indefinite" restart="never" nodeType="tmRoot"/>
-      </p:par>
-    </p:tnLst>
-  </p:timing>
 </p:sld>
 </file>
 
@@ -38307,13 +38153,6 @@
   <p:clrMapOvr>
     <a:masterClrMapping/>
   </p:clrMapOvr>
-  <p:timing>
-    <p:tnLst>
-      <p:par>
-        <p:cTn id="1" dur="indefinite" restart="never" nodeType="tmRoot"/>
-      </p:par>
-    </p:tnLst>
-  </p:timing>
 </p:sld>
 </file>
 
@@ -38638,13 +38477,6 @@
   <p:clrMapOvr>
     <a:masterClrMapping/>
   </p:clrMapOvr>
-  <p:timing>
-    <p:tnLst>
-      <p:par>
-        <p:cTn id="1" dur="indefinite" restart="never" nodeType="tmRoot"/>
-      </p:par>
-    </p:tnLst>
-  </p:timing>
 </p:sld>
 </file>
 
@@ -38749,13 +38581,6 @@
   <p:clrMapOvr>
     <a:masterClrMapping/>
   </p:clrMapOvr>
-  <p:timing>
-    <p:tnLst>
-      <p:par>
-        <p:cTn id="1" dur="indefinite" restart="never" nodeType="tmRoot"/>
-      </p:par>
-    </p:tnLst>
-  </p:timing>
 </p:sld>
 </file>
 
@@ -39022,13 +38847,6 @@
   <p:clrMapOvr>
     <a:masterClrMapping/>
   </p:clrMapOvr>
-  <p:timing>
-    <p:tnLst>
-      <p:par>
-        <p:cTn id="1" dur="indefinite" restart="never" nodeType="tmRoot"/>
-      </p:par>
-    </p:tnLst>
-  </p:timing>
 </p:sld>
 </file>
 
@@ -39154,13 +38972,6 @@
   <p:clrMapOvr>
     <a:masterClrMapping/>
   </p:clrMapOvr>
-  <p:timing>
-    <p:tnLst>
-      <p:par>
-        <p:cTn id="1" dur="indefinite" restart="never" nodeType="tmRoot"/>
-      </p:par>
-    </p:tnLst>
-  </p:timing>
 </p:sld>
 </file>
 
@@ -39423,7 +39234,28 @@
                 <a:latin typeface="나눔고딕코딩" panose="020D0009000000000000" pitchFamily="49" charset="-127"/>
                 <a:ea typeface="나눔고딕코딩" panose="020D0009000000000000" pitchFamily="49" charset="-127"/>
               </a:rPr>
-              <a:t>? (Turkey)</a:t>
+              <a:t>? </a:t>
+            </a:r>
+            <a:r>
+              <a:rPr lang="en-US" altLang="ko-KR" sz="2400" b="1" smtClean="0">
+                <a:latin typeface="나눔고딕코딩" panose="020D0009000000000000" pitchFamily="49" charset="-127"/>
+                <a:ea typeface="나눔고딕코딩" panose="020D0009000000000000" pitchFamily="49" charset="-127"/>
+              </a:rPr>
+              <a:t>(</a:t>
+            </a:r>
+            <a:r>
+              <a:rPr lang="en-US" altLang="ko-KR" sz="2400" b="1" smtClean="0">
+                <a:latin typeface="나눔고딕코딩" panose="020D0009000000000000" pitchFamily="49" charset="-127"/>
+                <a:ea typeface="나눔고딕코딩" panose="020D0009000000000000" pitchFamily="49" charset="-127"/>
+              </a:rPr>
+              <a:t>Tukey</a:t>
+            </a:r>
+            <a:r>
+              <a:rPr lang="en-US" altLang="ko-KR" sz="2400" b="1" dirty="0" smtClean="0">
+                <a:latin typeface="나눔고딕코딩" panose="020D0009000000000000" pitchFamily="49" charset="-127"/>
+                <a:ea typeface="나눔고딕코딩" panose="020D0009000000000000" pitchFamily="49" charset="-127"/>
+              </a:rPr>
+              <a:t>)</a:t>
             </a:r>
             <a:endParaRPr lang="ko-KR" altLang="en-US" sz="2400" b="1" dirty="0">
               <a:latin typeface="나눔고딕코딩" panose="020D0009000000000000" pitchFamily="49" charset="-127"/>
@@ -39505,13 +39337,6 @@
   <p:clrMapOvr>
     <a:masterClrMapping/>
   </p:clrMapOvr>
-  <p:timing>
-    <p:tnLst>
-      <p:par>
-        <p:cTn id="1" dur="indefinite" restart="never" nodeType="tmRoot"/>
-      </p:par>
-    </p:tnLst>
-  </p:timing>
 </p:sld>
 </file>
 
@@ -39685,13 +39510,6 @@
   <p:clrMapOvr>
     <a:masterClrMapping/>
   </p:clrMapOvr>
-  <p:timing>
-    <p:tnLst>
-      <p:par>
-        <p:cTn id="1" dur="indefinite" restart="never" nodeType="tmRoot"/>
-      </p:par>
-    </p:tnLst>
-  </p:timing>
 </p:sld>
 </file>
 
@@ -40058,13 +39876,6 @@
   <p:clrMapOvr>
     <a:masterClrMapping/>
   </p:clrMapOvr>
-  <p:timing>
-    <p:tnLst>
-      <p:par>
-        <p:cTn id="1" dur="indefinite" restart="never" nodeType="tmRoot"/>
-      </p:par>
-    </p:tnLst>
-  </p:timing>
 </p:sld>
 </file>
 
@@ -40896,13 +40707,6 @@
   <p:clrMapOvr>
     <a:masterClrMapping/>
   </p:clrMapOvr>
-  <p:timing>
-    <p:tnLst>
-      <p:par>
-        <p:cTn id="1" dur="indefinite" restart="never" nodeType="tmRoot"/>
-      </p:par>
-    </p:tnLst>
-  </p:timing>
 </p:sld>
 </file>
 
@@ -41028,13 +40832,6 @@
   <p:clrMapOvr>
     <a:masterClrMapping/>
   </p:clrMapOvr>
-  <p:timing>
-    <p:tnLst>
-      <p:par>
-        <p:cTn id="1" dur="indefinite" restart="never" nodeType="tmRoot"/>
-      </p:par>
-    </p:tnLst>
-  </p:timing>
 </p:sld>
 </file>
 
